--- a/pre/2024-06-21汇报.pptx
+++ b/pre/2024-06-21汇报.pptx
@@ -8,7 +8,7 @@
     <p:notesMasterId r:id="rId4"/>
   </p:notesMasterIdLst>
   <p:handoutMasterIdLst>
-    <p:handoutMasterId r:id="rId21"/>
+    <p:handoutMasterId r:id="rId27"/>
   </p:handoutMasterIdLst>
   <p:sldIdLst>
     <p:sldId id="256" r:id="rId3"/>
@@ -22,12 +22,18 @@
     <p:sldId id="1922" r:id="rId12"/>
     <p:sldId id="1978" r:id="rId13"/>
     <p:sldId id="1964" r:id="rId14"/>
-    <p:sldId id="1962" r:id="rId15"/>
-    <p:sldId id="1976" r:id="rId16"/>
-    <p:sldId id="1979" r:id="rId17"/>
-    <p:sldId id="1980" r:id="rId18"/>
-    <p:sldId id="1954" r:id="rId19"/>
-    <p:sldId id="1828" r:id="rId20"/>
+    <p:sldId id="1986" r:id="rId15"/>
+    <p:sldId id="1962" r:id="rId16"/>
+    <p:sldId id="1988" r:id="rId17"/>
+    <p:sldId id="1976" r:id="rId18"/>
+    <p:sldId id="1979" r:id="rId19"/>
+    <p:sldId id="1989" r:id="rId20"/>
+    <p:sldId id="1996" r:id="rId21"/>
+    <p:sldId id="1987" r:id="rId22"/>
+    <p:sldId id="1980" r:id="rId23"/>
+    <p:sldId id="2000" r:id="rId24"/>
+    <p:sldId id="1954" r:id="rId25"/>
+    <p:sldId id="1828" r:id="rId26"/>
   </p:sldIdLst>
   <p:sldSz cx="12192000" cy="6858000"/>
   <p:notesSz cx="6858000" cy="9144000"/>
@@ -5009,6 +5015,12 @@
 <file path=ppt/slides/slide12.xml><?xml version="1.0" encoding="utf-8"?>
 <p:sld xmlns:a="http://schemas.openxmlformats.org/drawingml/2006/main" xmlns:r="http://schemas.openxmlformats.org/officeDocument/2006/relationships" xmlns:p="http://schemas.openxmlformats.org/presentationml/2006/main">
   <p:cSld>
+    <p:bg>
+      <p:bgPr>
+        <a:noFill/>
+        <a:effectLst/>
+      </p:bgPr>
+    </p:bg>
     <p:spTree>
       <p:nvGrpSpPr>
         <p:cNvPr id="1" name=""/>
@@ -5078,6 +5090,299 @@
         <p:spPr>
           <a:xfrm>
             <a:off x="442595" y="1341120"/>
+            <a:ext cx="10592435" cy="922020"/>
+          </a:xfrm>
+          <a:prstGeom prst="rect">
+            <a:avLst/>
+          </a:prstGeom>
+          <a:noFill/>
+        </p:spPr>
+        <p:txBody>
+          <a:bodyPr wrap="square" rtlCol="0">
+            <a:spAutoFit/>
+          </a:bodyPr>
+          <a:p>
+            <a:pPr marL="285750" indent="-285750">
+              <a:buFont typeface="Wingdings" panose="05000000000000000000" charset="0"/>
+              <a:buChar char=""/>
+            </a:pPr>
+            <a:r>
+              <a:rPr lang="zh-CN">
+                <a:latin typeface="+mn-ea"/>
+                <a:cs typeface="+mn-ea"/>
+              </a:rPr>
+              <a:t>实验</a:t>
+            </a:r>
+            <a:r>
+              <a:rPr lang="en-US" altLang="zh-CN">
+                <a:latin typeface="+mn-ea"/>
+                <a:cs typeface="+mn-ea"/>
+              </a:rPr>
+              <a:t>: </a:t>
+            </a:r>
+            <a:r>
+              <a:rPr lang="zh-CN" altLang="en-US">
+                <a:latin typeface="+mn-ea"/>
+                <a:cs typeface="+mn-ea"/>
+              </a:rPr>
+              <a:t>统计关于输入的梯度响应图</a:t>
+            </a:r>
+            <a:endParaRPr lang="zh-CN" altLang="en-US">
+              <a:latin typeface="+mn-ea"/>
+              <a:cs typeface="+mn-ea"/>
+            </a:endParaRPr>
+          </a:p>
+          <a:p>
+            <a:pPr marL="285750" indent="-285750">
+              <a:buFont typeface="Wingdings" panose="05000000000000000000" charset="0"/>
+              <a:buChar char=""/>
+            </a:pPr>
+            <a:r>
+              <a:rPr lang="zh-CN">
+                <a:latin typeface="+mn-ea"/>
+                <a:cs typeface="+mn-ea"/>
+              </a:rPr>
+              <a:t>实验设置：</a:t>
+            </a:r>
+            <a:r>
+              <a:rPr lang="en-US" altLang="zh-CN">
+                <a:latin typeface="+mn-ea"/>
+                <a:cs typeface="+mn-ea"/>
+              </a:rPr>
+              <a:t>vit</a:t>
+            </a:r>
+            <a:r>
+              <a:rPr lang="en-US" altLang="zh-CN">
+                <a:latin typeface="+mn-ea"/>
+                <a:cs typeface="+mn-ea"/>
+              </a:rPr>
+              <a:t>, cifar10 vs svhn</a:t>
+            </a:r>
+            <a:endParaRPr lang="zh-CN">
+              <a:latin typeface="+mn-ea"/>
+              <a:cs typeface="+mn-ea"/>
+            </a:endParaRPr>
+          </a:p>
+          <a:p>
+            <a:pPr marL="628650" lvl="2" indent="-285750">
+              <a:buFont typeface="Wingdings" panose="05000000000000000000" charset="0"/>
+              <a:buChar char=""/>
+            </a:pPr>
+            <a:endParaRPr lang="en-US">
+              <a:latin typeface="+mn-ea"/>
+              <a:cs typeface="+mn-ea"/>
+            </a:endParaRPr>
+          </a:p>
+        </p:txBody>
+      </p:sp>
+      <p:sp>
+        <p:nvSpPr>
+          <p:cNvPr id="8" name="文本框 7"/>
+          <p:cNvSpPr txBox="1"/>
+          <p:nvPr/>
+        </p:nvSpPr>
+        <p:spPr>
+          <a:xfrm>
+            <a:off x="304800" y="3279140"/>
+            <a:ext cx="1173480" cy="368300"/>
+          </a:xfrm>
+          <a:prstGeom prst="rect">
+            <a:avLst/>
+          </a:prstGeom>
+          <a:noFill/>
+        </p:spPr>
+        <p:txBody>
+          <a:bodyPr wrap="square" rtlCol="0">
+            <a:spAutoFit/>
+          </a:bodyPr>
+          <a:p>
+            <a:r>
+              <a:rPr lang="en-US" altLang="zh-CN"/>
+              <a:t>:</a:t>
+            </a:r>
+            <a:endParaRPr lang="en-US" altLang="zh-CN"/>
+          </a:p>
+        </p:txBody>
+      </p:sp>
+      <p:grpSp>
+        <p:nvGrpSpPr>
+          <p:cNvPr id="7" name="组合 6"/>
+          <p:cNvGrpSpPr/>
+          <p:nvPr/>
+        </p:nvGrpSpPr>
+        <p:grpSpPr>
+          <a:xfrm>
+            <a:off x="1866265" y="2354580"/>
+            <a:ext cx="7893685" cy="3337560"/>
+            <a:chOff x="2939" y="3708"/>
+            <a:chExt cx="12431" cy="5256"/>
+          </a:xfrm>
+        </p:grpSpPr>
+        <p:pic>
+          <p:nvPicPr>
+            <p:cNvPr id="2" name="图片 1"/>
+            <p:cNvPicPr>
+              <a:picLocks noChangeAspect="1"/>
+            </p:cNvPicPr>
+            <p:nvPr/>
+          </p:nvPicPr>
+          <p:blipFill>
+            <a:blip r:embed="rId1"/>
+            <a:stretch>
+              <a:fillRect/>
+            </a:stretch>
+          </p:blipFill>
+          <p:spPr>
+            <a:xfrm>
+              <a:off x="2939" y="3708"/>
+              <a:ext cx="3768" cy="5257"/>
+            </a:xfrm>
+            <a:prstGeom prst="rect">
+              <a:avLst/>
+            </a:prstGeom>
+          </p:spPr>
+        </p:pic>
+        <p:pic>
+          <p:nvPicPr>
+            <p:cNvPr id="3" name="图片 2"/>
+            <p:cNvPicPr>
+              <a:picLocks noChangeAspect="1"/>
+            </p:cNvPicPr>
+            <p:nvPr/>
+          </p:nvPicPr>
+          <p:blipFill>
+            <a:blip r:embed="rId2"/>
+            <a:stretch>
+              <a:fillRect/>
+            </a:stretch>
+          </p:blipFill>
+          <p:spPr>
+            <a:xfrm>
+              <a:off x="7616" y="3869"/>
+              <a:ext cx="3313" cy="4830"/>
+            </a:xfrm>
+            <a:prstGeom prst="rect">
+              <a:avLst/>
+            </a:prstGeom>
+          </p:spPr>
+        </p:pic>
+        <p:pic>
+          <p:nvPicPr>
+            <p:cNvPr id="4" name="图片 3"/>
+            <p:cNvPicPr>
+              <a:picLocks noChangeAspect="1"/>
+            </p:cNvPicPr>
+            <p:nvPr/>
+          </p:nvPicPr>
+          <p:blipFill>
+            <a:blip r:embed="rId3"/>
+            <a:stretch>
+              <a:fillRect/>
+            </a:stretch>
+          </p:blipFill>
+          <p:spPr>
+            <a:xfrm>
+              <a:off x="11986" y="3870"/>
+              <a:ext cx="3384" cy="4934"/>
+            </a:xfrm>
+            <a:prstGeom prst="rect">
+              <a:avLst/>
+            </a:prstGeom>
+          </p:spPr>
+        </p:pic>
+      </p:grpSp>
+    </p:spTree>
+  </p:cSld>
+  <p:clrMapOvr>
+    <a:masterClrMapping/>
+  </p:clrMapOvr>
+  <mc:AlternateContent xmlns:mc="http://schemas.openxmlformats.org/markup-compatibility/2006" xmlns:p159="http://schemas.microsoft.com/office/powerpoint/2015/09/main">
+    <mc:Choice Requires="p159">
+      <p:transition xmlns:p14="http://schemas.microsoft.com/office/powerpoint/2010/main" spd="med">
+        <p159:morph option="byObject"/>
+      </p:transition>
+    </mc:Choice>
+    <mc:Fallback>
+      <p:transition spd="med">
+        <p:fade/>
+      </p:transition>
+    </mc:Fallback>
+  </mc:AlternateContent>
+</p:sld>
+</file>
+
+<file path=ppt/slides/slide13.xml><?xml version="1.0" encoding="utf-8"?>
+<p:sld xmlns:a="http://schemas.openxmlformats.org/drawingml/2006/main" xmlns:r="http://schemas.openxmlformats.org/officeDocument/2006/relationships" xmlns:p="http://schemas.openxmlformats.org/presentationml/2006/main">
+  <p:cSld>
+    <p:spTree>
+      <p:nvGrpSpPr>
+        <p:cNvPr id="1" name=""/>
+        <p:cNvGrpSpPr/>
+        <p:nvPr/>
+      </p:nvGrpSpPr>
+      <p:grpSpPr>
+        <a:xfrm>
+          <a:off x="0" y="0"/>
+          <a:ext cx="0" cy="0"/>
+          <a:chOff x="0" y="0"/>
+          <a:chExt cx="0" cy="0"/>
+        </a:xfrm>
+      </p:grpSpPr>
+      <p:sp>
+        <p:nvSpPr>
+          <p:cNvPr id="6" name="矩形 5"/>
+          <p:cNvSpPr/>
+          <p:nvPr/>
+        </p:nvSpPr>
+        <p:spPr>
+          <a:xfrm>
+            <a:off x="304543" y="486560"/>
+            <a:ext cx="2125980" cy="521970"/>
+          </a:xfrm>
+          <a:prstGeom prst="rect">
+            <a:avLst/>
+          </a:prstGeom>
+        </p:spPr>
+        <p:txBody>
+          <a:bodyPr wrap="none">
+            <a:spAutoFit/>
+          </a:bodyPr>
+          <a:lstStyle/>
+          <a:p>
+            <a:pPr marL="0" indent="0" algn="l">
+              <a:buFont typeface="Wingdings" panose="05000000000000000000" charset="0"/>
+              <a:buNone/>
+            </a:pPr>
+            <a:r>
+              <a:rPr lang="en-US" altLang="zh-CN" sz="2800" b="1" dirty="0">
+                <a:latin typeface="微软雅黑" charset="-122"/>
+                <a:ea typeface="微软雅黑" charset="-122"/>
+                <a:cs typeface="微软雅黑" charset="-122"/>
+                <a:sym typeface="+mn-ea"/>
+              </a:rPr>
+              <a:t>Experiments</a:t>
+            </a:r>
+            <a:endParaRPr lang="zh-CN" altLang="en-US" sz="2800" b="1" dirty="0">
+              <a:solidFill>
+                <a:schemeClr val="tx1"/>
+              </a:solidFill>
+              <a:latin typeface="微软雅黑" charset="-122"/>
+              <a:ea typeface="微软雅黑" charset="-122"/>
+              <a:cs typeface="微软雅黑" charset="-122"/>
+              <a:sym typeface="+mn-ea"/>
+            </a:endParaRPr>
+          </a:p>
+        </p:txBody>
+      </p:sp>
+      <p:sp>
+        <p:nvSpPr>
+          <p:cNvPr id="5" name="文本框 4"/>
+          <p:cNvSpPr txBox="1"/>
+          <p:nvPr/>
+        </p:nvSpPr>
+        <p:spPr>
+          <a:xfrm>
+            <a:off x="442595" y="1341120"/>
             <a:ext cx="10592435" cy="1476375"/>
           </a:xfrm>
           <a:prstGeom prst="rect">
@@ -5171,7 +5476,7 @@
                 <a:latin typeface="+mn-ea"/>
                 <a:cs typeface="+mn-ea"/>
               </a:rPr>
-              <a:t> resnet50, cifar10 vs svhn</a:t>
+              <a:t> ResNet50, cifar10 vs svhn</a:t>
             </a:r>
             <a:endParaRPr lang="zh-CN">
               <a:latin typeface="+mn-ea"/>
@@ -5297,7 +5602,298 @@
 </p:sld>
 </file>
 
-<file path=ppt/slides/slide13.xml><?xml version="1.0" encoding="utf-8"?>
+<file path=ppt/slides/slide14.xml><?xml version="1.0" encoding="utf-8"?>
+<p:sld xmlns:a="http://schemas.openxmlformats.org/drawingml/2006/main" xmlns:r="http://schemas.openxmlformats.org/officeDocument/2006/relationships" xmlns:p="http://schemas.openxmlformats.org/presentationml/2006/main">
+  <p:cSld>
+    <p:spTree>
+      <p:nvGrpSpPr>
+        <p:cNvPr id="1" name=""/>
+        <p:cNvGrpSpPr/>
+        <p:nvPr/>
+      </p:nvGrpSpPr>
+      <p:grpSpPr>
+        <a:xfrm>
+          <a:off x="0" y="0"/>
+          <a:ext cx="0" cy="0"/>
+          <a:chOff x="0" y="0"/>
+          <a:chExt cx="0" cy="0"/>
+        </a:xfrm>
+      </p:grpSpPr>
+      <p:sp>
+        <p:nvSpPr>
+          <p:cNvPr id="6" name="矩形 5"/>
+          <p:cNvSpPr/>
+          <p:nvPr/>
+        </p:nvSpPr>
+        <p:spPr>
+          <a:xfrm>
+            <a:off x="304543" y="486560"/>
+            <a:ext cx="2125980" cy="521970"/>
+          </a:xfrm>
+          <a:prstGeom prst="rect">
+            <a:avLst/>
+          </a:prstGeom>
+        </p:spPr>
+        <p:txBody>
+          <a:bodyPr wrap="none">
+            <a:spAutoFit/>
+          </a:bodyPr>
+          <a:lstStyle/>
+          <a:p>
+            <a:pPr marL="0" indent="0" algn="l">
+              <a:buFont typeface="Wingdings" panose="05000000000000000000" charset="0"/>
+              <a:buNone/>
+            </a:pPr>
+            <a:r>
+              <a:rPr lang="en-US" altLang="zh-CN" sz="2800" b="1" dirty="0">
+                <a:latin typeface="微软雅黑" charset="-122"/>
+                <a:ea typeface="微软雅黑" charset="-122"/>
+                <a:cs typeface="微软雅黑" charset="-122"/>
+                <a:sym typeface="+mn-ea"/>
+              </a:rPr>
+              <a:t>Experiments</a:t>
+            </a:r>
+            <a:endParaRPr lang="zh-CN" altLang="en-US" sz="2800" b="1" dirty="0">
+              <a:solidFill>
+                <a:schemeClr val="tx1"/>
+              </a:solidFill>
+              <a:latin typeface="微软雅黑" charset="-122"/>
+              <a:ea typeface="微软雅黑" charset="-122"/>
+              <a:cs typeface="微软雅黑" charset="-122"/>
+              <a:sym typeface="+mn-ea"/>
+            </a:endParaRPr>
+          </a:p>
+        </p:txBody>
+      </p:sp>
+      <p:sp>
+        <p:nvSpPr>
+          <p:cNvPr id="5" name="文本框 4"/>
+          <p:cNvSpPr txBox="1"/>
+          <p:nvPr/>
+        </p:nvSpPr>
+        <p:spPr>
+          <a:xfrm>
+            <a:off x="442595" y="1341120"/>
+            <a:ext cx="10592435" cy="1476375"/>
+          </a:xfrm>
+          <a:prstGeom prst="rect">
+            <a:avLst/>
+          </a:prstGeom>
+          <a:noFill/>
+        </p:spPr>
+        <p:txBody>
+          <a:bodyPr wrap="square" rtlCol="0">
+            <a:spAutoFit/>
+          </a:bodyPr>
+          <a:p>
+            <a:pPr marL="285750" indent="-285750">
+              <a:buFont typeface="Wingdings" panose="05000000000000000000" charset="0"/>
+              <a:buChar char=""/>
+            </a:pPr>
+            <a:r>
+              <a:rPr lang="zh-CN">
+                <a:latin typeface="+mn-ea"/>
+                <a:cs typeface="+mn-ea"/>
+              </a:rPr>
+              <a:t>实验</a:t>
+            </a:r>
+            <a:r>
+              <a:rPr lang="en-US" altLang="zh-CN">
+                <a:latin typeface="+mn-ea"/>
+                <a:cs typeface="+mn-ea"/>
+              </a:rPr>
+              <a:t>: </a:t>
+            </a:r>
+            <a:r>
+              <a:rPr lang="zh-CN" altLang="en-US">
+                <a:latin typeface="+mn-ea"/>
+                <a:cs typeface="+mn-ea"/>
+              </a:rPr>
+              <a:t>统计关于输入的梯度范数</a:t>
+            </a:r>
+            <a:endParaRPr lang="zh-CN" altLang="en-US">
+              <a:latin typeface="+mn-ea"/>
+              <a:cs typeface="+mn-ea"/>
+            </a:endParaRPr>
+          </a:p>
+          <a:p>
+            <a:pPr marL="742950" lvl="1" indent="-285750">
+              <a:buFont typeface="Wingdings" panose="05000000000000000000" charset="0"/>
+              <a:buChar char=""/>
+            </a:pPr>
+            <a:r>
+              <a:rPr lang="zh-CN" altLang="en-US">
+                <a:latin typeface="+mn-ea"/>
+                <a:cs typeface="+mn-ea"/>
+              </a:rPr>
+              <a:t>gradient_norms = torch.norm(gradient, p=norm)</a:t>
+            </a:r>
+            <a:endParaRPr lang="zh-CN" altLang="en-US">
+              <a:latin typeface="+mn-ea"/>
+              <a:cs typeface="+mn-ea"/>
+            </a:endParaRPr>
+          </a:p>
+          <a:p>
+            <a:pPr marL="742950" lvl="1" indent="-285750">
+              <a:buFont typeface="Wingdings" panose="05000000000000000000" charset="0"/>
+              <a:buChar char=""/>
+            </a:pPr>
+            <a:r>
+              <a:rPr lang="zh-CN" altLang="en-US">
+                <a:latin typeface="+mn-ea"/>
+                <a:cs typeface="+mn-ea"/>
+              </a:rPr>
+              <a:t>直接使用梯度范数作为模型不确定性的度量</a:t>
+            </a:r>
+            <a:endParaRPr lang="zh-CN" altLang="en-US">
+              <a:latin typeface="+mn-ea"/>
+              <a:cs typeface="+mn-ea"/>
+            </a:endParaRPr>
+          </a:p>
+          <a:p>
+            <a:pPr marL="285750" indent="-285750">
+              <a:buFont typeface="Wingdings" panose="05000000000000000000" charset="0"/>
+              <a:buChar char=""/>
+            </a:pPr>
+            <a:r>
+              <a:rPr lang="zh-CN">
+                <a:latin typeface="+mn-ea"/>
+                <a:cs typeface="+mn-ea"/>
+              </a:rPr>
+              <a:t>实验设置：</a:t>
+            </a:r>
+            <a:r>
+              <a:rPr lang="en-US" altLang="zh-CN">
+                <a:latin typeface="+mn-ea"/>
+                <a:cs typeface="+mn-ea"/>
+              </a:rPr>
+              <a:t> vit, cifar10 vs svhn</a:t>
+            </a:r>
+            <a:endParaRPr lang="zh-CN">
+              <a:latin typeface="+mn-ea"/>
+              <a:cs typeface="+mn-ea"/>
+            </a:endParaRPr>
+          </a:p>
+          <a:p>
+            <a:pPr marL="628650" lvl="2" indent="-285750">
+              <a:buFont typeface="Wingdings" panose="05000000000000000000" charset="0"/>
+              <a:buChar char=""/>
+            </a:pPr>
+            <a:endParaRPr lang="en-US">
+              <a:latin typeface="+mn-ea"/>
+              <a:cs typeface="+mn-ea"/>
+            </a:endParaRPr>
+          </a:p>
+        </p:txBody>
+      </p:sp>
+      <p:grpSp>
+        <p:nvGrpSpPr>
+          <p:cNvPr id="9" name="组合 8"/>
+          <p:cNvGrpSpPr/>
+          <p:nvPr/>
+        </p:nvGrpSpPr>
+        <p:grpSpPr>
+          <a:xfrm>
+            <a:off x="1246505" y="3150235"/>
+            <a:ext cx="10398760" cy="2319655"/>
+            <a:chOff x="1963" y="4961"/>
+            <a:chExt cx="16376" cy="3653"/>
+          </a:xfrm>
+        </p:grpSpPr>
+        <p:pic>
+          <p:nvPicPr>
+            <p:cNvPr id="3" name="图片 2"/>
+            <p:cNvPicPr>
+              <a:picLocks noChangeAspect="1"/>
+            </p:cNvPicPr>
+            <p:nvPr/>
+          </p:nvPicPr>
+          <p:blipFill>
+            <a:blip r:embed="rId1"/>
+            <a:stretch>
+              <a:fillRect/>
+            </a:stretch>
+          </p:blipFill>
+          <p:spPr>
+            <a:xfrm>
+              <a:off x="7578" y="4961"/>
+              <a:ext cx="5197" cy="3613"/>
+            </a:xfrm>
+            <a:prstGeom prst="rect">
+              <a:avLst/>
+            </a:prstGeom>
+          </p:spPr>
+        </p:pic>
+        <p:pic>
+          <p:nvPicPr>
+            <p:cNvPr id="4" name="图片 3"/>
+            <p:cNvPicPr>
+              <a:picLocks noChangeAspect="1"/>
+            </p:cNvPicPr>
+            <p:nvPr/>
+          </p:nvPicPr>
+          <p:blipFill>
+            <a:blip r:embed="rId2"/>
+            <a:stretch>
+              <a:fillRect/>
+            </a:stretch>
+          </p:blipFill>
+          <p:spPr>
+            <a:xfrm>
+              <a:off x="1963" y="4961"/>
+              <a:ext cx="4936" cy="3536"/>
+            </a:xfrm>
+            <a:prstGeom prst="rect">
+              <a:avLst/>
+            </a:prstGeom>
+          </p:spPr>
+        </p:pic>
+        <p:pic>
+          <p:nvPicPr>
+            <p:cNvPr id="8" name="图片 7"/>
+            <p:cNvPicPr>
+              <a:picLocks noChangeAspect="1"/>
+            </p:cNvPicPr>
+            <p:nvPr/>
+          </p:nvPicPr>
+          <p:blipFill>
+            <a:blip r:embed="rId3"/>
+            <a:stretch>
+              <a:fillRect/>
+            </a:stretch>
+          </p:blipFill>
+          <p:spPr>
+            <a:xfrm>
+              <a:off x="13241" y="5022"/>
+              <a:ext cx="5098" cy="3592"/>
+            </a:xfrm>
+            <a:prstGeom prst="rect">
+              <a:avLst/>
+            </a:prstGeom>
+          </p:spPr>
+        </p:pic>
+      </p:grpSp>
+    </p:spTree>
+  </p:cSld>
+  <p:clrMapOvr>
+    <a:masterClrMapping/>
+  </p:clrMapOvr>
+  <mc:AlternateContent xmlns:mc="http://schemas.openxmlformats.org/markup-compatibility/2006" xmlns:p159="http://schemas.microsoft.com/office/powerpoint/2015/09/main">
+    <mc:Choice Requires="p159">
+      <p:transition xmlns:p14="http://schemas.microsoft.com/office/powerpoint/2010/main" spd="med">
+        <p159:morph option="byObject"/>
+      </p:transition>
+    </mc:Choice>
+    <mc:Fallback>
+      <p:transition spd="med">
+        <p:fade/>
+      </p:transition>
+    </mc:Fallback>
+  </mc:AlternateContent>
+</p:sld>
+</file>
+
+<file path=ppt/slides/slide15.xml><?xml version="1.0" encoding="utf-8"?>
 <p:sld xmlns:a="http://schemas.openxmlformats.org/drawingml/2006/main" xmlns:r="http://schemas.openxmlformats.org/officeDocument/2006/relationships" xmlns:p="http://schemas.openxmlformats.org/presentationml/2006/main">
   <p:cSld>
     <p:spTree>
@@ -5437,7 +6033,7 @@
 </p:sld>
 </file>
 
-<file path=ppt/slides/slide14.xml><?xml version="1.0" encoding="utf-8"?>
+<file path=ppt/slides/slide16.xml><?xml version="1.0" encoding="utf-8"?>
 <p:sld xmlns:a="http://schemas.openxmlformats.org/drawingml/2006/main" xmlns:r="http://schemas.openxmlformats.org/officeDocument/2006/relationships" xmlns:p="http://schemas.openxmlformats.org/presentationml/2006/main">
   <p:cSld>
     <p:spTree>
@@ -5625,64 +6221,6 @@
             <a:r>
               <a:rPr lang="en-US" altLang="zh-CN"/>
               <a:t>:</a:t>
-            </a:r>
-            <a:endParaRPr lang="en-US" altLang="zh-CN"/>
-          </a:p>
-        </p:txBody>
-      </p:sp>
-      <p:sp>
-        <p:nvSpPr>
-          <p:cNvPr id="9" name="文本框 8"/>
-          <p:cNvSpPr txBox="1"/>
-          <p:nvPr/>
-        </p:nvSpPr>
-        <p:spPr>
-          <a:xfrm>
-            <a:off x="2782570" y="6080760"/>
-            <a:ext cx="754380" cy="368300"/>
-          </a:xfrm>
-          <a:prstGeom prst="rect">
-            <a:avLst/>
-          </a:prstGeom>
-          <a:noFill/>
-        </p:spPr>
-        <p:txBody>
-          <a:bodyPr wrap="none" rtlCol="0">
-            <a:spAutoFit/>
-          </a:bodyPr>
-          <a:p>
-            <a:r>
-              <a:rPr lang="en-US" altLang="zh-CN"/>
-              <a:t>vgg16</a:t>
-            </a:r>
-            <a:endParaRPr lang="en-US" altLang="zh-CN"/>
-          </a:p>
-        </p:txBody>
-      </p:sp>
-      <p:sp>
-        <p:nvSpPr>
-          <p:cNvPr id="10" name="文本框 9"/>
-          <p:cNvSpPr txBox="1"/>
-          <p:nvPr/>
-        </p:nvSpPr>
-        <p:spPr>
-          <a:xfrm>
-            <a:off x="7160260" y="6080760"/>
-            <a:ext cx="957580" cy="368300"/>
-          </a:xfrm>
-          <a:prstGeom prst="rect">
-            <a:avLst/>
-          </a:prstGeom>
-          <a:noFill/>
-        </p:spPr>
-        <p:txBody>
-          <a:bodyPr wrap="none" rtlCol="0">
-            <a:spAutoFit/>
-          </a:bodyPr>
-          <a:p>
-            <a:r>
-              <a:rPr lang="en-US" altLang="zh-CN"/>
-              <a:t>resnet50</a:t>
             </a:r>
             <a:endParaRPr lang="en-US" altLang="zh-CN"/>
           </a:p>
@@ -5771,7 +6309,283 @@
 </p:sld>
 </file>
 
-<file path=ppt/slides/slide15.xml><?xml version="1.0" encoding="utf-8"?>
+<file path=ppt/slides/slide17.xml><?xml version="1.0" encoding="utf-8"?>
+<p:sld xmlns:a="http://schemas.openxmlformats.org/drawingml/2006/main" xmlns:r="http://schemas.openxmlformats.org/officeDocument/2006/relationships" xmlns:p="http://schemas.openxmlformats.org/presentationml/2006/main">
+  <p:cSld>
+    <p:spTree>
+      <p:nvGrpSpPr>
+        <p:cNvPr id="1" name=""/>
+        <p:cNvGrpSpPr/>
+        <p:nvPr/>
+      </p:nvGrpSpPr>
+      <p:grpSpPr>
+        <a:xfrm>
+          <a:off x="0" y="0"/>
+          <a:ext cx="0" cy="0"/>
+          <a:chOff x="0" y="0"/>
+          <a:chExt cx="0" cy="0"/>
+        </a:xfrm>
+      </p:grpSpPr>
+      <p:sp>
+        <p:nvSpPr>
+          <p:cNvPr id="6" name="矩形 5"/>
+          <p:cNvSpPr/>
+          <p:nvPr/>
+        </p:nvSpPr>
+        <p:spPr>
+          <a:xfrm>
+            <a:off x="304543" y="486560"/>
+            <a:ext cx="2125980" cy="521970"/>
+          </a:xfrm>
+          <a:prstGeom prst="rect">
+            <a:avLst/>
+          </a:prstGeom>
+        </p:spPr>
+        <p:txBody>
+          <a:bodyPr wrap="none">
+            <a:spAutoFit/>
+          </a:bodyPr>
+          <a:lstStyle/>
+          <a:p>
+            <a:pPr marL="0" indent="0" algn="l">
+              <a:buFont typeface="Wingdings" panose="05000000000000000000" charset="0"/>
+              <a:buNone/>
+            </a:pPr>
+            <a:r>
+              <a:rPr lang="en-US" altLang="zh-CN" sz="2800" b="1" dirty="0">
+                <a:latin typeface="微软雅黑" charset="-122"/>
+                <a:ea typeface="微软雅黑" charset="-122"/>
+                <a:cs typeface="微软雅黑" charset="-122"/>
+                <a:sym typeface="+mn-ea"/>
+              </a:rPr>
+              <a:t>Experiments</a:t>
+            </a:r>
+            <a:endParaRPr lang="zh-CN" altLang="en-US" sz="2800" b="1" dirty="0">
+              <a:solidFill>
+                <a:schemeClr val="tx1"/>
+              </a:solidFill>
+              <a:latin typeface="微软雅黑" charset="-122"/>
+              <a:ea typeface="微软雅黑" charset="-122"/>
+              <a:cs typeface="微软雅黑" charset="-122"/>
+              <a:sym typeface="+mn-ea"/>
+            </a:endParaRPr>
+          </a:p>
+        </p:txBody>
+      </p:sp>
+      <p:sp>
+        <p:nvSpPr>
+          <p:cNvPr id="5" name="文本框 4"/>
+          <p:cNvSpPr txBox="1"/>
+          <p:nvPr/>
+        </p:nvSpPr>
+        <p:spPr>
+          <a:xfrm>
+            <a:off x="442595" y="1341120"/>
+            <a:ext cx="10592435" cy="922020"/>
+          </a:xfrm>
+          <a:prstGeom prst="rect">
+            <a:avLst/>
+          </a:prstGeom>
+          <a:noFill/>
+        </p:spPr>
+        <p:txBody>
+          <a:bodyPr wrap="square" rtlCol="0">
+            <a:spAutoFit/>
+          </a:bodyPr>
+          <a:p>
+            <a:pPr marL="285750" indent="-285750">
+              <a:buFont typeface="Wingdings" panose="05000000000000000000" charset="0"/>
+              <a:buChar char=""/>
+            </a:pPr>
+            <a:r>
+              <a:rPr lang="zh-CN">
+                <a:latin typeface="+mn-ea"/>
+                <a:cs typeface="+mn-ea"/>
+              </a:rPr>
+              <a:t>加入</a:t>
+            </a:r>
+            <a:r>
+              <a:rPr lang="en-US" altLang="zh-CN">
+                <a:latin typeface="+mn-ea"/>
+                <a:cs typeface="+mn-ea"/>
+              </a:rPr>
+              <a:t>input purturbation</a:t>
+            </a:r>
+            <a:r>
+              <a:rPr lang="zh-CN" altLang="en-US">
+                <a:latin typeface="+mn-ea"/>
+                <a:cs typeface="+mn-ea"/>
+              </a:rPr>
+              <a:t>，对比</a:t>
+            </a:r>
+            <a:r>
+              <a:rPr lang="en-US" altLang="zh-CN">
+                <a:latin typeface="+mn-ea"/>
+                <a:cs typeface="+mn-ea"/>
+              </a:rPr>
+              <a:t>uncertainty</a:t>
+            </a:r>
+            <a:r>
+              <a:rPr lang="zh-CN" altLang="en-US">
+                <a:latin typeface="+mn-ea"/>
+                <a:cs typeface="+mn-ea"/>
+              </a:rPr>
+              <a:t>的分布</a:t>
+            </a:r>
+            <a:endParaRPr lang="zh-CN" altLang="en-US">
+              <a:latin typeface="+mn-ea"/>
+              <a:cs typeface="+mn-ea"/>
+            </a:endParaRPr>
+          </a:p>
+          <a:p>
+            <a:pPr marL="285750" indent="-285750">
+              <a:buFont typeface="Wingdings" panose="05000000000000000000" charset="0"/>
+              <a:buChar char=""/>
+            </a:pPr>
+            <a:r>
+              <a:rPr lang="zh-CN">
+                <a:latin typeface="+mn-ea"/>
+                <a:cs typeface="+mn-ea"/>
+              </a:rPr>
+              <a:t>实验设置</a:t>
+            </a:r>
+            <a:r>
+              <a:rPr lang="en-US" altLang="zh-CN">
+                <a:latin typeface="+mn-ea"/>
+                <a:cs typeface="+mn-ea"/>
+              </a:rPr>
+              <a:t>: vit, cifar10 vs svhn</a:t>
+            </a:r>
+            <a:endParaRPr lang="zh-CN">
+              <a:latin typeface="+mn-ea"/>
+              <a:cs typeface="+mn-ea"/>
+            </a:endParaRPr>
+          </a:p>
+          <a:p>
+            <a:pPr marL="628650" lvl="2" indent="-285750">
+              <a:buFont typeface="Wingdings" panose="05000000000000000000" charset="0"/>
+              <a:buChar char=""/>
+            </a:pPr>
+            <a:endParaRPr lang="en-US">
+              <a:latin typeface="+mn-ea"/>
+              <a:cs typeface="+mn-ea"/>
+            </a:endParaRPr>
+          </a:p>
+        </p:txBody>
+      </p:sp>
+      <p:sp>
+        <p:nvSpPr>
+          <p:cNvPr id="8" name="文本框 7"/>
+          <p:cNvSpPr txBox="1"/>
+          <p:nvPr/>
+        </p:nvSpPr>
+        <p:spPr>
+          <a:xfrm>
+            <a:off x="304800" y="3279140"/>
+            <a:ext cx="1173480" cy="368300"/>
+          </a:xfrm>
+          <a:prstGeom prst="rect">
+            <a:avLst/>
+          </a:prstGeom>
+          <a:noFill/>
+        </p:spPr>
+        <p:txBody>
+          <a:bodyPr wrap="square" rtlCol="0">
+            <a:spAutoFit/>
+          </a:bodyPr>
+          <a:p>
+            <a:r>
+              <a:rPr lang="en-US" altLang="zh-CN"/>
+              <a:t>:</a:t>
+            </a:r>
+            <a:endParaRPr lang="en-US" altLang="zh-CN"/>
+          </a:p>
+        </p:txBody>
+      </p:sp>
+      <p:grpSp>
+        <p:nvGrpSpPr>
+          <p:cNvPr id="9" name="组合 8"/>
+          <p:cNvGrpSpPr/>
+          <p:nvPr/>
+        </p:nvGrpSpPr>
+        <p:grpSpPr>
+          <a:xfrm>
+            <a:off x="819150" y="2531745"/>
+            <a:ext cx="9734550" cy="3018790"/>
+            <a:chOff x="1290" y="3987"/>
+            <a:chExt cx="15330" cy="4754"/>
+          </a:xfrm>
+        </p:grpSpPr>
+        <p:pic>
+          <p:nvPicPr>
+            <p:cNvPr id="2" name="图片 1"/>
+            <p:cNvPicPr>
+              <a:picLocks noChangeAspect="1"/>
+            </p:cNvPicPr>
+            <p:nvPr/>
+          </p:nvPicPr>
+          <p:blipFill>
+            <a:blip r:embed="rId1"/>
+            <a:stretch>
+              <a:fillRect/>
+            </a:stretch>
+          </p:blipFill>
+          <p:spPr>
+            <a:xfrm>
+              <a:off x="9346" y="3987"/>
+              <a:ext cx="7275" cy="4755"/>
+            </a:xfrm>
+            <a:prstGeom prst="rect">
+              <a:avLst/>
+            </a:prstGeom>
+          </p:spPr>
+        </p:pic>
+        <p:pic>
+          <p:nvPicPr>
+            <p:cNvPr id="4" name="图片 3"/>
+            <p:cNvPicPr>
+              <a:picLocks noChangeAspect="1"/>
+            </p:cNvPicPr>
+            <p:nvPr/>
+          </p:nvPicPr>
+          <p:blipFill>
+            <a:blip r:embed="rId2"/>
+            <a:stretch>
+              <a:fillRect/>
+            </a:stretch>
+          </p:blipFill>
+          <p:spPr>
+            <a:xfrm>
+              <a:off x="1290" y="3987"/>
+              <a:ext cx="7395" cy="4755"/>
+            </a:xfrm>
+            <a:prstGeom prst="rect">
+              <a:avLst/>
+            </a:prstGeom>
+          </p:spPr>
+        </p:pic>
+      </p:grpSp>
+    </p:spTree>
+  </p:cSld>
+  <p:clrMapOvr>
+    <a:masterClrMapping/>
+  </p:clrMapOvr>
+  <mc:AlternateContent xmlns:mc="http://schemas.openxmlformats.org/markup-compatibility/2006" xmlns:p159="http://schemas.microsoft.com/office/powerpoint/2015/09/main">
+    <mc:Choice Requires="p159">
+      <p:transition xmlns:p14="http://schemas.microsoft.com/office/powerpoint/2010/main" spd="med">
+        <p159:morph option="byObject"/>
+      </p:transition>
+    </mc:Choice>
+    <mc:Fallback>
+      <p:transition spd="med">
+        <p:fade/>
+      </p:transition>
+    </mc:Fallback>
+  </mc:AlternateContent>
+</p:sld>
+</file>
+
+<file path=ppt/slides/slide18.xml><?xml version="1.0" encoding="utf-8"?>
 <p:sld xmlns:a="http://schemas.openxmlformats.org/drawingml/2006/main" xmlns:r="http://schemas.openxmlformats.org/officeDocument/2006/relationships" xmlns:p="http://schemas.openxmlformats.org/presentationml/2006/main">
   <p:cSld>
     <p:spTree>
@@ -6039,7 +6853,7 @@
 </p:sld>
 </file>
 
-<file path=ppt/slides/slide16.xml><?xml version="1.0" encoding="utf-8"?>
+<file path=ppt/slides/slide19.xml><?xml version="1.0" encoding="utf-8"?>
 <p:sld xmlns:a="http://schemas.openxmlformats.org/drawingml/2006/main" xmlns:r="http://schemas.openxmlformats.org/officeDocument/2006/relationships" xmlns:p="http://schemas.openxmlformats.org/presentationml/2006/main">
   <p:cSld>
     <p:spTree>
@@ -6111,7 +6925,7 @@
         <p:spPr>
           <a:xfrm>
             <a:off x="442595" y="1341120"/>
-            <a:ext cx="10592435" cy="922020"/>
+            <a:ext cx="10592435" cy="368300"/>
           </a:xfrm>
           <a:prstGeom prst="rect">
             <a:avLst/>
@@ -6128,78 +6942,46 @@
               <a:buChar char=""/>
             </a:pPr>
             <a:r>
+              <a:rPr lang="zh-CN"/>
+              <a:t>加入</a:t>
+            </a:r>
+            <a:r>
+              <a:rPr lang="en-US" altLang="zh-CN"/>
+              <a:t>input purturbation</a:t>
+            </a:r>
+            <a:r>
               <a:rPr lang="zh-CN" altLang="en-US">
                 <a:sym typeface="+mn-ea"/>
               </a:rPr>
-              <a:t>后续实验计划</a:t>
+              <a:t>后，在</a:t>
+            </a:r>
+            <a:r>
+              <a:rPr lang="en-US" altLang="zh-CN">
+                <a:sym typeface="+mn-ea"/>
+              </a:rPr>
+              <a:t>OOD</a:t>
+            </a:r>
+            <a:r>
+              <a:rPr lang="zh-CN" altLang="en-US">
+                <a:sym typeface="+mn-ea"/>
+              </a:rPr>
+              <a:t>检测任务上评估</a:t>
+            </a:r>
+            <a:r>
+              <a:rPr lang="en-US" altLang="zh-CN">
+                <a:sym typeface="+mn-ea"/>
+              </a:rPr>
+              <a:t>uncertainty</a:t>
+            </a:r>
+            <a:r>
+              <a:rPr lang="zh-CN" altLang="en-US">
+                <a:sym typeface="+mn-ea"/>
+              </a:rPr>
+              <a:t>建模的效果</a:t>
             </a:r>
             <a:endParaRPr lang="zh-CN" altLang="en-US">
               <a:sym typeface="+mn-ea"/>
             </a:endParaRPr>
-          </a:p>
-          <a:p>
-            <a:pPr marL="742950" lvl="1" indent="-285750">
-              <a:buFont typeface="Wingdings" panose="05000000000000000000" charset="0"/>
-              <a:buChar char=""/>
-            </a:pPr>
-            <a:r>
-              <a:rPr lang="en-US" altLang="zh-CN">
-                <a:sym typeface="+mn-ea"/>
-              </a:rPr>
-              <a:t>1. </a:t>
-            </a:r>
-            <a:r>
-              <a:rPr lang="zh-CN" altLang="en-US">
-                <a:sym typeface="+mn-ea"/>
-              </a:rPr>
-              <a:t>在对抗样本检测等任务上评估</a:t>
-            </a:r>
-            <a:r>
-              <a:rPr lang="en-US" altLang="zh-CN">
-                <a:sym typeface="+mn-ea"/>
-              </a:rPr>
-              <a:t>uncertainty</a:t>
-            </a:r>
-            <a:endParaRPr lang="en-US" altLang="zh-CN">
-              <a:sym typeface="+mn-ea"/>
-            </a:endParaRPr>
-          </a:p>
-          <a:p>
-            <a:pPr marL="742950" lvl="1" indent="-285750">
-              <a:buFont typeface="Wingdings" panose="05000000000000000000" charset="0"/>
-              <a:buChar char=""/>
-            </a:pPr>
-            <a:r>
-              <a:rPr lang="en-US" altLang="zh-CN">
-                <a:sym typeface="+mn-ea"/>
-              </a:rPr>
-              <a:t>2. </a:t>
-            </a:r>
-            <a:r>
-              <a:rPr lang="zh-CN" altLang="en-US">
-                <a:sym typeface="+mn-ea"/>
-              </a:rPr>
-              <a:t>添加一个</a:t>
-            </a:r>
-            <a:r>
-              <a:rPr lang="en-US" altLang="zh-CN">
-                <a:sym typeface="+mn-ea"/>
-              </a:rPr>
-              <a:t>head</a:t>
-            </a:r>
-            <a:r>
-              <a:rPr lang="zh-CN" altLang="en-US">
-                <a:sym typeface="+mn-ea"/>
-              </a:rPr>
-              <a:t>直接预测</a:t>
-            </a:r>
-            <a:r>
-              <a:rPr lang="en-US" altLang="zh-CN">
-                <a:sym typeface="+mn-ea"/>
-              </a:rPr>
-              <a:t>uncertainty</a:t>
-            </a:r>
-            <a:endParaRPr lang="en-US"/>
           </a:p>
         </p:txBody>
       </p:sp>
@@ -6232,6 +7014,30 @@
           </a:p>
         </p:txBody>
       </p:sp>
+      <p:pic>
+        <p:nvPicPr>
+          <p:cNvPr id="2" name="图片 1"/>
+          <p:cNvPicPr>
+            <a:picLocks noChangeAspect="1"/>
+          </p:cNvPicPr>
+          <p:nvPr/>
+        </p:nvPicPr>
+        <p:blipFill>
+          <a:blip r:embed="rId1"/>
+          <a:stretch>
+            <a:fillRect/>
+          </a:stretch>
+        </p:blipFill>
+        <p:spPr>
+          <a:xfrm>
+            <a:off x="2632710" y="2255520"/>
+            <a:ext cx="5743575" cy="3571875"/>
+          </a:xfrm>
+          <a:prstGeom prst="rect">
+            <a:avLst/>
+          </a:prstGeom>
+        </p:spPr>
+      </p:pic>
     </p:spTree>
   </p:cSld>
   <p:clrMapOvr>
@@ -6252,7 +7058,848 @@
 </p:sld>
 </file>
 
-<file path=ppt/slides/slide17.xml><?xml version="1.0" encoding="utf-8"?>
+<file path=ppt/slides/slide2.xml><?xml version="1.0" encoding="utf-8"?>
+<p:sld xmlns:a="http://schemas.openxmlformats.org/drawingml/2006/main" xmlns:r="http://schemas.openxmlformats.org/officeDocument/2006/relationships" xmlns:p="http://schemas.openxmlformats.org/presentationml/2006/main">
+  <p:cSld>
+    <p:spTree>
+      <p:nvGrpSpPr>
+        <p:cNvPr id="1" name=""/>
+        <p:cNvGrpSpPr/>
+        <p:nvPr/>
+      </p:nvGrpSpPr>
+      <p:grpSpPr>
+        <a:xfrm>
+          <a:off x="0" y="0"/>
+          <a:ext cx="0" cy="0"/>
+          <a:chOff x="0" y="0"/>
+          <a:chExt cx="0" cy="0"/>
+        </a:xfrm>
+      </p:grpSpPr>
+      <p:sp>
+        <p:nvSpPr>
+          <p:cNvPr id="7" name="标题 6"/>
+          <p:cNvSpPr>
+            <a:spLocks noGrp="1"/>
+          </p:cNvSpPr>
+          <p:nvPr>
+            <p:ph type="title"/>
+          </p:nvPr>
+        </p:nvSpPr>
+        <p:spPr>
+          <a:xfrm>
+            <a:off x="446405" y="345441"/>
+            <a:ext cx="9906000" cy="685793"/>
+          </a:xfrm>
+        </p:spPr>
+        <p:txBody>
+          <a:bodyPr/>
+          <a:lstStyle/>
+          <a:p>
+            <a:pPr algn="l" eaLnBrk="0" hangingPunct="0">
+              <a:buClrTx/>
+              <a:buSzTx/>
+              <a:buFontTx/>
+              <a:defRPr/>
+            </a:pPr>
+            <a:r>
+              <a:rPr lang="zh-CN" altLang="en-US" sz="2800" b="1" dirty="0">
+                <a:solidFill>
+                  <a:schemeClr val="tx1"/>
+                </a:solidFill>
+                <a:latin typeface="微软雅黑" charset="-122"/>
+                <a:ea typeface="微软雅黑" charset="-122"/>
+                <a:cs typeface="微软雅黑" charset="-122"/>
+              </a:rPr>
+              <a:t>大纲</a:t>
+            </a:r>
+            <a:endParaRPr lang="zh-CN" altLang="en-US" sz="2800" b="1" dirty="0">
+              <a:solidFill>
+                <a:schemeClr val="tx1"/>
+              </a:solidFill>
+              <a:latin typeface="微软雅黑" charset="-122"/>
+              <a:ea typeface="微软雅黑" charset="-122"/>
+              <a:cs typeface="微软雅黑" charset="-122"/>
+            </a:endParaRPr>
+          </a:p>
+        </p:txBody>
+      </p:sp>
+      <p:sp>
+        <p:nvSpPr>
+          <p:cNvPr id="2" name="矩形 1"/>
+          <p:cNvSpPr/>
+          <p:nvPr/>
+        </p:nvSpPr>
+        <p:spPr>
+          <a:xfrm>
+            <a:off x="446405" y="1659890"/>
+            <a:ext cx="8415020" cy="2245360"/>
+          </a:xfrm>
+          <a:prstGeom prst="rect">
+            <a:avLst/>
+          </a:prstGeom>
+        </p:spPr>
+        <p:txBody>
+          <a:bodyPr wrap="square">
+            <a:spAutoFit/>
+          </a:bodyPr>
+          <a:lstStyle/>
+          <a:p>
+            <a:pPr marL="285750" indent="-285750" algn="l">
+              <a:buFont typeface="Wingdings" panose="05000000000000000000" charset="0"/>
+              <a:buChar char=""/>
+            </a:pPr>
+            <a:r>
+              <a:rPr lang="en-US" altLang="zh-CN" sz="2000" dirty="0">
+                <a:sym typeface="+mn-ea"/>
+              </a:rPr>
+              <a:t>Introduction</a:t>
+            </a:r>
+            <a:endParaRPr lang="en-US" altLang="zh-CN" sz="2000" dirty="0">
+              <a:sym typeface="+mn-ea"/>
+            </a:endParaRPr>
+          </a:p>
+          <a:p>
+            <a:pPr marL="285750" indent="-285750" algn="l">
+              <a:buFont typeface="Wingdings" panose="05000000000000000000" charset="0"/>
+              <a:buChar char=""/>
+            </a:pPr>
+            <a:endParaRPr lang="zh-CN" altLang="en-US" sz="2000" dirty="0">
+              <a:sym typeface="+mn-ea"/>
+            </a:endParaRPr>
+          </a:p>
+          <a:p>
+            <a:pPr marL="285750" indent="-285750" algn="l">
+              <a:buFont typeface="Wingdings" panose="05000000000000000000" charset="0"/>
+              <a:buChar char=""/>
+            </a:pPr>
+            <a:r>
+              <a:rPr lang="en-US" altLang="zh-CN" sz="2000" dirty="0"/>
+              <a:t>Background</a:t>
+            </a:r>
+            <a:endParaRPr lang="en-US" altLang="zh-CN" sz="2000" dirty="0"/>
+          </a:p>
+          <a:p>
+            <a:pPr marL="285750" indent="-285750" algn="l">
+              <a:buFont typeface="Wingdings" panose="05000000000000000000" charset="0"/>
+              <a:buChar char=""/>
+            </a:pPr>
+            <a:endParaRPr lang="en-US" altLang="zh-CN" sz="2000" b="1" dirty="0">
+              <a:latin typeface="微软雅黑" charset="-122"/>
+              <a:ea typeface="微软雅黑" charset="-122"/>
+              <a:cs typeface="微软雅黑" charset="-122"/>
+              <a:sym typeface="+mn-ea"/>
+            </a:endParaRPr>
+          </a:p>
+          <a:p>
+            <a:pPr marL="285750" indent="-285750" algn="l">
+              <a:buFont typeface="Wingdings" panose="05000000000000000000" charset="0"/>
+              <a:buChar char=""/>
+            </a:pPr>
+            <a:r>
+              <a:rPr lang="en-US" altLang="zh-CN" sz="2000" dirty="0">
+                <a:solidFill>
+                  <a:schemeClr val="tx1"/>
+                </a:solidFill>
+                <a:latin typeface="微软雅黑" charset="-122"/>
+                <a:ea typeface="微软雅黑" charset="-122"/>
+                <a:cs typeface="微软雅黑" charset="-122"/>
+                <a:sym typeface="+mn-ea"/>
+              </a:rPr>
+              <a:t>Method</a:t>
+            </a:r>
+            <a:endParaRPr lang="zh-CN" altLang="en-US" sz="2000" dirty="0">
+              <a:solidFill>
+                <a:schemeClr val="tx1"/>
+              </a:solidFill>
+              <a:latin typeface="微软雅黑" charset="-122"/>
+              <a:ea typeface="微软雅黑" charset="-122"/>
+              <a:cs typeface="微软雅黑" charset="-122"/>
+              <a:sym typeface="+mn-ea"/>
+            </a:endParaRPr>
+          </a:p>
+          <a:p>
+            <a:pPr marL="285750" indent="-285750" algn="l">
+              <a:buFont typeface="Wingdings" panose="05000000000000000000" charset="0"/>
+              <a:buChar char=""/>
+            </a:pPr>
+            <a:endParaRPr lang="zh-CN" altLang="en-US" sz="2000" dirty="0">
+              <a:latin typeface="微软雅黑" charset="-122"/>
+              <a:ea typeface="微软雅黑" charset="-122"/>
+              <a:cs typeface="微软雅黑" charset="-122"/>
+              <a:sym typeface="+mn-ea"/>
+            </a:endParaRPr>
+          </a:p>
+          <a:p>
+            <a:pPr marL="285750" indent="-285750" algn="l">
+              <a:buFont typeface="Wingdings" panose="05000000000000000000" charset="0"/>
+              <a:buChar char=""/>
+            </a:pPr>
+            <a:r>
+              <a:rPr lang="en-US" altLang="zh-CN" sz="2000" dirty="0"/>
+              <a:t>Experiments</a:t>
+            </a:r>
+            <a:endParaRPr lang="en-US" altLang="zh-CN" sz="2000" dirty="0"/>
+          </a:p>
+        </p:txBody>
+      </p:sp>
+      <p:sp>
+        <p:nvSpPr>
+          <p:cNvPr id="15" name="椭圆 14"/>
+          <p:cNvSpPr/>
+          <p:nvPr/>
+        </p:nvSpPr>
+        <p:spPr>
+          <a:xfrm>
+            <a:off x="7497445" y="2990850"/>
+            <a:ext cx="914400" cy="914400"/>
+          </a:xfrm>
+          <a:prstGeom prst="ellipse">
+            <a:avLst/>
+          </a:prstGeom>
+        </p:spPr>
+        <p:txBody>
+          <a:bodyPr wrap="none">
+            <a:spAutoFit/>
+          </a:bodyPr>
+          <a:p>
+            <a:endParaRPr lang="zh-CN" altLang="en-US" sz="2400" dirty="0"/>
+          </a:p>
+        </p:txBody>
+      </p:sp>
+    </p:spTree>
+  </p:cSld>
+  <p:clrMapOvr>
+    <a:masterClrMapping/>
+  </p:clrMapOvr>
+  <p:transition/>
+</p:sld>
+</file>
+
+<file path=ppt/slides/slide20.xml><?xml version="1.0" encoding="utf-8"?>
+<p:sld xmlns:a="http://schemas.openxmlformats.org/drawingml/2006/main" xmlns:r="http://schemas.openxmlformats.org/officeDocument/2006/relationships" xmlns:p="http://schemas.openxmlformats.org/presentationml/2006/main">
+  <p:cSld>
+    <p:spTree>
+      <p:nvGrpSpPr>
+        <p:cNvPr id="1" name=""/>
+        <p:cNvGrpSpPr/>
+        <p:nvPr/>
+      </p:nvGrpSpPr>
+      <p:grpSpPr>
+        <a:xfrm>
+          <a:off x="0" y="0"/>
+          <a:ext cx="0" cy="0"/>
+          <a:chOff x="0" y="0"/>
+          <a:chExt cx="0" cy="0"/>
+        </a:xfrm>
+      </p:grpSpPr>
+      <p:sp>
+        <p:nvSpPr>
+          <p:cNvPr id="6" name="矩形 5"/>
+          <p:cNvSpPr/>
+          <p:nvPr/>
+        </p:nvSpPr>
+        <p:spPr>
+          <a:xfrm>
+            <a:off x="304543" y="486560"/>
+            <a:ext cx="2125980" cy="521970"/>
+          </a:xfrm>
+          <a:prstGeom prst="rect">
+            <a:avLst/>
+          </a:prstGeom>
+        </p:spPr>
+        <p:txBody>
+          <a:bodyPr wrap="none">
+            <a:spAutoFit/>
+          </a:bodyPr>
+          <a:lstStyle/>
+          <a:p>
+            <a:pPr marL="0" indent="0" algn="l">
+              <a:buFont typeface="Wingdings" panose="05000000000000000000" charset="0"/>
+              <a:buNone/>
+            </a:pPr>
+            <a:r>
+              <a:rPr lang="en-US" altLang="zh-CN" sz="2800" b="1" dirty="0">
+                <a:latin typeface="微软雅黑" charset="-122"/>
+                <a:ea typeface="微软雅黑" charset="-122"/>
+                <a:cs typeface="微软雅黑" charset="-122"/>
+                <a:sym typeface="+mn-ea"/>
+              </a:rPr>
+              <a:t>Experiments</a:t>
+            </a:r>
+            <a:endParaRPr lang="zh-CN" altLang="en-US" sz="2800" b="1" dirty="0">
+              <a:solidFill>
+                <a:schemeClr val="tx1"/>
+              </a:solidFill>
+              <a:latin typeface="微软雅黑" charset="-122"/>
+              <a:ea typeface="微软雅黑" charset="-122"/>
+              <a:cs typeface="微软雅黑" charset="-122"/>
+              <a:sym typeface="+mn-ea"/>
+            </a:endParaRPr>
+          </a:p>
+        </p:txBody>
+      </p:sp>
+      <p:sp>
+        <p:nvSpPr>
+          <p:cNvPr id="5" name="文本框 4"/>
+          <p:cNvSpPr txBox="1"/>
+          <p:nvPr/>
+        </p:nvSpPr>
+        <p:spPr>
+          <a:xfrm>
+            <a:off x="442595" y="1341120"/>
+            <a:ext cx="10592435" cy="368300"/>
+          </a:xfrm>
+          <a:prstGeom prst="rect">
+            <a:avLst/>
+          </a:prstGeom>
+          <a:noFill/>
+        </p:spPr>
+        <p:txBody>
+          <a:bodyPr wrap="square" rtlCol="0">
+            <a:spAutoFit/>
+          </a:bodyPr>
+          <a:p>
+            <a:pPr marL="285750" indent="-285750">
+              <a:buFont typeface="Wingdings" panose="05000000000000000000" charset="0"/>
+              <a:buChar char=""/>
+            </a:pPr>
+            <a:r>
+              <a:rPr lang="zh-CN"/>
+              <a:t>加入</a:t>
+            </a:r>
+            <a:r>
+              <a:rPr lang="en-US" altLang="zh-CN"/>
+              <a:t>input purturbation</a:t>
+            </a:r>
+            <a:r>
+              <a:rPr lang="zh-CN" altLang="en-US">
+                <a:sym typeface="+mn-ea"/>
+              </a:rPr>
+              <a:t>后，在对抗样本检测任务上评估</a:t>
+            </a:r>
+            <a:r>
+              <a:rPr lang="en-US" altLang="zh-CN">
+                <a:sym typeface="+mn-ea"/>
+              </a:rPr>
+              <a:t>uncertainty</a:t>
+            </a:r>
+            <a:r>
+              <a:rPr lang="zh-CN" altLang="en-US">
+                <a:sym typeface="+mn-ea"/>
+              </a:rPr>
+              <a:t>建模的效果</a:t>
+            </a:r>
+            <a:endParaRPr lang="zh-CN" altLang="en-US">
+              <a:sym typeface="+mn-ea"/>
+            </a:endParaRPr>
+          </a:p>
+        </p:txBody>
+      </p:sp>
+      <p:sp>
+        <p:nvSpPr>
+          <p:cNvPr id="8" name="文本框 7"/>
+          <p:cNvSpPr txBox="1"/>
+          <p:nvPr/>
+        </p:nvSpPr>
+        <p:spPr>
+          <a:xfrm>
+            <a:off x="304800" y="3279140"/>
+            <a:ext cx="1173480" cy="368300"/>
+          </a:xfrm>
+          <a:prstGeom prst="rect">
+            <a:avLst/>
+          </a:prstGeom>
+          <a:noFill/>
+        </p:spPr>
+        <p:txBody>
+          <a:bodyPr wrap="square" rtlCol="0">
+            <a:spAutoFit/>
+          </a:bodyPr>
+          <a:p>
+            <a:r>
+              <a:rPr lang="en-US" altLang="zh-CN"/>
+              <a:t>:</a:t>
+            </a:r>
+            <a:endParaRPr lang="en-US" altLang="zh-CN"/>
+          </a:p>
+        </p:txBody>
+      </p:sp>
+      <p:pic>
+        <p:nvPicPr>
+          <p:cNvPr id="2" name="图片 1"/>
+          <p:cNvPicPr>
+            <a:picLocks noChangeAspect="1"/>
+          </p:cNvPicPr>
+          <p:nvPr/>
+        </p:nvPicPr>
+        <p:blipFill>
+          <a:blip r:embed="rId1"/>
+          <a:stretch>
+            <a:fillRect/>
+          </a:stretch>
+        </p:blipFill>
+        <p:spPr>
+          <a:xfrm>
+            <a:off x="2430145" y="2378710"/>
+            <a:ext cx="6617335" cy="3043555"/>
+          </a:xfrm>
+          <a:prstGeom prst="rect">
+            <a:avLst/>
+          </a:prstGeom>
+        </p:spPr>
+      </p:pic>
+    </p:spTree>
+  </p:cSld>
+  <p:clrMapOvr>
+    <a:masterClrMapping/>
+  </p:clrMapOvr>
+  <mc:AlternateContent xmlns:mc="http://schemas.openxmlformats.org/markup-compatibility/2006" xmlns:p159="http://schemas.microsoft.com/office/powerpoint/2015/09/main">
+    <mc:Choice Requires="p159">
+      <p:transition xmlns:p14="http://schemas.microsoft.com/office/powerpoint/2010/main" spd="med">
+        <p159:morph option="byObject"/>
+      </p:transition>
+    </mc:Choice>
+    <mc:Fallback>
+      <p:transition spd="med">
+        <p:fade/>
+      </p:transition>
+    </mc:Fallback>
+  </mc:AlternateContent>
+</p:sld>
+</file>
+
+<file path=ppt/slides/slide21.xml><?xml version="1.0" encoding="utf-8"?>
+<p:sld xmlns:a="http://schemas.openxmlformats.org/drawingml/2006/main" xmlns:r="http://schemas.openxmlformats.org/officeDocument/2006/relationships" xmlns:p="http://schemas.openxmlformats.org/presentationml/2006/main">
+  <p:cSld>
+    <p:spTree>
+      <p:nvGrpSpPr>
+        <p:cNvPr id="1" name=""/>
+        <p:cNvGrpSpPr/>
+        <p:nvPr/>
+      </p:nvGrpSpPr>
+      <p:grpSpPr>
+        <a:xfrm>
+          <a:off x="0" y="0"/>
+          <a:ext cx="0" cy="0"/>
+          <a:chOff x="0" y="0"/>
+          <a:chExt cx="0" cy="0"/>
+        </a:xfrm>
+      </p:grpSpPr>
+      <p:sp>
+        <p:nvSpPr>
+          <p:cNvPr id="6" name="矩形 5"/>
+          <p:cNvSpPr/>
+          <p:nvPr/>
+        </p:nvSpPr>
+        <p:spPr>
+          <a:xfrm>
+            <a:off x="304543" y="486560"/>
+            <a:ext cx="2125980" cy="521970"/>
+          </a:xfrm>
+          <a:prstGeom prst="rect">
+            <a:avLst/>
+          </a:prstGeom>
+        </p:spPr>
+        <p:txBody>
+          <a:bodyPr wrap="none">
+            <a:spAutoFit/>
+          </a:bodyPr>
+          <a:lstStyle/>
+          <a:p>
+            <a:pPr marL="0" indent="0" algn="l">
+              <a:buFont typeface="Wingdings" panose="05000000000000000000" charset="0"/>
+              <a:buNone/>
+            </a:pPr>
+            <a:r>
+              <a:rPr lang="en-US" altLang="zh-CN" sz="2800" b="1" dirty="0">
+                <a:latin typeface="微软雅黑" charset="-122"/>
+                <a:ea typeface="微软雅黑" charset="-122"/>
+                <a:cs typeface="微软雅黑" charset="-122"/>
+                <a:sym typeface="+mn-ea"/>
+              </a:rPr>
+              <a:t>Experiments</a:t>
+            </a:r>
+            <a:endParaRPr lang="zh-CN" altLang="en-US" sz="2800" b="1" dirty="0">
+              <a:solidFill>
+                <a:schemeClr val="tx1"/>
+              </a:solidFill>
+              <a:latin typeface="微软雅黑" charset="-122"/>
+              <a:ea typeface="微软雅黑" charset="-122"/>
+              <a:cs typeface="微软雅黑" charset="-122"/>
+              <a:sym typeface="+mn-ea"/>
+            </a:endParaRPr>
+          </a:p>
+        </p:txBody>
+      </p:sp>
+      <p:sp>
+        <p:nvSpPr>
+          <p:cNvPr id="5" name="文本框 4"/>
+          <p:cNvSpPr txBox="1"/>
+          <p:nvPr/>
+        </p:nvSpPr>
+        <p:spPr>
+          <a:xfrm>
+            <a:off x="442595" y="1341120"/>
+            <a:ext cx="10592435" cy="368300"/>
+          </a:xfrm>
+          <a:prstGeom prst="rect">
+            <a:avLst/>
+          </a:prstGeom>
+          <a:noFill/>
+        </p:spPr>
+        <p:txBody>
+          <a:bodyPr wrap="square" rtlCol="0">
+            <a:spAutoFit/>
+          </a:bodyPr>
+          <a:p>
+            <a:pPr marL="285750" indent="-285750">
+              <a:buFont typeface="Wingdings" panose="05000000000000000000" charset="0"/>
+              <a:buChar char=""/>
+            </a:pPr>
+            <a:r>
+              <a:rPr lang="zh-CN"/>
+              <a:t>加入</a:t>
+            </a:r>
+            <a:r>
+              <a:rPr lang="en-US" altLang="zh-CN"/>
+              <a:t>input purturbation</a:t>
+            </a:r>
+            <a:r>
+              <a:rPr lang="zh-CN" altLang="en-US">
+                <a:sym typeface="+mn-ea"/>
+              </a:rPr>
+              <a:t>后，在主动学习任务上评估</a:t>
+            </a:r>
+            <a:r>
+              <a:rPr lang="en-US" altLang="zh-CN">
+                <a:sym typeface="+mn-ea"/>
+              </a:rPr>
+              <a:t>uncertainty</a:t>
+            </a:r>
+            <a:r>
+              <a:rPr lang="zh-CN" altLang="en-US">
+                <a:sym typeface="+mn-ea"/>
+              </a:rPr>
+              <a:t>建模的效果</a:t>
+            </a:r>
+            <a:endParaRPr lang="zh-CN" altLang="en-US">
+              <a:sym typeface="+mn-ea"/>
+            </a:endParaRPr>
+          </a:p>
+        </p:txBody>
+      </p:sp>
+      <p:sp>
+        <p:nvSpPr>
+          <p:cNvPr id="8" name="文本框 7"/>
+          <p:cNvSpPr txBox="1"/>
+          <p:nvPr/>
+        </p:nvSpPr>
+        <p:spPr>
+          <a:xfrm>
+            <a:off x="304800" y="3279140"/>
+            <a:ext cx="1173480" cy="368300"/>
+          </a:xfrm>
+          <a:prstGeom prst="rect">
+            <a:avLst/>
+          </a:prstGeom>
+          <a:noFill/>
+        </p:spPr>
+        <p:txBody>
+          <a:bodyPr wrap="square" rtlCol="0">
+            <a:spAutoFit/>
+          </a:bodyPr>
+          <a:p>
+            <a:r>
+              <a:rPr lang="en-US" altLang="zh-CN"/>
+              <a:t>:</a:t>
+            </a:r>
+            <a:endParaRPr lang="en-US" altLang="zh-CN"/>
+          </a:p>
+        </p:txBody>
+      </p:sp>
+      <p:pic>
+        <p:nvPicPr>
+          <p:cNvPr id="3" name="图片 2"/>
+          <p:cNvPicPr>
+            <a:picLocks noChangeAspect="1"/>
+          </p:cNvPicPr>
+          <p:nvPr/>
+        </p:nvPicPr>
+        <p:blipFill>
+          <a:blip r:embed="rId1"/>
+          <a:stretch>
+            <a:fillRect/>
+          </a:stretch>
+        </p:blipFill>
+        <p:spPr>
+          <a:xfrm>
+            <a:off x="1318895" y="2042160"/>
+            <a:ext cx="5067935" cy="4061460"/>
+          </a:xfrm>
+          <a:prstGeom prst="rect">
+            <a:avLst/>
+          </a:prstGeom>
+        </p:spPr>
+      </p:pic>
+    </p:spTree>
+  </p:cSld>
+  <p:clrMapOvr>
+    <a:masterClrMapping/>
+  </p:clrMapOvr>
+  <mc:AlternateContent xmlns:mc="http://schemas.openxmlformats.org/markup-compatibility/2006" xmlns:p159="http://schemas.microsoft.com/office/powerpoint/2015/09/main">
+    <mc:Choice Requires="p159">
+      <p:transition xmlns:p14="http://schemas.microsoft.com/office/powerpoint/2010/main" spd="med">
+        <p159:morph option="byObject"/>
+      </p:transition>
+    </mc:Choice>
+    <mc:Fallback>
+      <p:transition spd="med">
+        <p:fade/>
+      </p:transition>
+    </mc:Fallback>
+  </mc:AlternateContent>
+</p:sld>
+</file>
+
+<file path=ppt/slides/slide22.xml><?xml version="1.0" encoding="utf-8"?>
+<p:sld xmlns:a="http://schemas.openxmlformats.org/drawingml/2006/main" xmlns:r="http://schemas.openxmlformats.org/officeDocument/2006/relationships" xmlns:p="http://schemas.openxmlformats.org/presentationml/2006/main">
+  <p:cSld>
+    <p:spTree>
+      <p:nvGrpSpPr>
+        <p:cNvPr id="1" name=""/>
+        <p:cNvGrpSpPr/>
+        <p:nvPr/>
+      </p:nvGrpSpPr>
+      <p:grpSpPr>
+        <a:xfrm>
+          <a:off x="0" y="0"/>
+          <a:ext cx="0" cy="0"/>
+          <a:chOff x="0" y="0"/>
+          <a:chExt cx="0" cy="0"/>
+        </a:xfrm>
+      </p:grpSpPr>
+      <p:sp>
+        <p:nvSpPr>
+          <p:cNvPr id="6" name="矩形 5"/>
+          <p:cNvSpPr/>
+          <p:nvPr/>
+        </p:nvSpPr>
+        <p:spPr>
+          <a:xfrm>
+            <a:off x="304543" y="486560"/>
+            <a:ext cx="2125980" cy="521970"/>
+          </a:xfrm>
+          <a:prstGeom prst="rect">
+            <a:avLst/>
+          </a:prstGeom>
+        </p:spPr>
+        <p:txBody>
+          <a:bodyPr wrap="none">
+            <a:spAutoFit/>
+          </a:bodyPr>
+          <a:lstStyle/>
+          <a:p>
+            <a:pPr marL="0" indent="0" algn="l">
+              <a:buFont typeface="Wingdings" panose="05000000000000000000" charset="0"/>
+              <a:buNone/>
+            </a:pPr>
+            <a:r>
+              <a:rPr lang="en-US" altLang="zh-CN" sz="2800" b="1" dirty="0">
+                <a:latin typeface="微软雅黑" charset="-122"/>
+                <a:ea typeface="微软雅黑" charset="-122"/>
+                <a:cs typeface="微软雅黑" charset="-122"/>
+                <a:sym typeface="+mn-ea"/>
+              </a:rPr>
+              <a:t>Experiments</a:t>
+            </a:r>
+            <a:endParaRPr lang="zh-CN" altLang="en-US" sz="2800" b="1" dirty="0">
+              <a:solidFill>
+                <a:schemeClr val="tx1"/>
+              </a:solidFill>
+              <a:latin typeface="微软雅黑" charset="-122"/>
+              <a:ea typeface="微软雅黑" charset="-122"/>
+              <a:cs typeface="微软雅黑" charset="-122"/>
+              <a:sym typeface="+mn-ea"/>
+            </a:endParaRPr>
+          </a:p>
+        </p:txBody>
+      </p:sp>
+      <p:sp>
+        <p:nvSpPr>
+          <p:cNvPr id="5" name="文本框 4"/>
+          <p:cNvSpPr txBox="1"/>
+          <p:nvPr/>
+        </p:nvSpPr>
+        <p:spPr>
+          <a:xfrm>
+            <a:off x="442595" y="1341120"/>
+            <a:ext cx="10592435" cy="1198880"/>
+          </a:xfrm>
+          <a:prstGeom prst="rect">
+            <a:avLst/>
+          </a:prstGeom>
+          <a:noFill/>
+        </p:spPr>
+        <p:txBody>
+          <a:bodyPr wrap="square" rtlCol="0">
+            <a:spAutoFit/>
+          </a:bodyPr>
+          <a:p>
+            <a:pPr marL="285750" indent="-285750">
+              <a:buFont typeface="Wingdings" panose="05000000000000000000" charset="0"/>
+              <a:buChar char=""/>
+            </a:pPr>
+            <a:r>
+              <a:rPr lang="zh-CN" altLang="en-US">
+                <a:sym typeface="+mn-ea"/>
+              </a:rPr>
+              <a:t>后续实验计划</a:t>
+            </a:r>
+            <a:endParaRPr lang="zh-CN" altLang="en-US">
+              <a:sym typeface="+mn-ea"/>
+            </a:endParaRPr>
+          </a:p>
+          <a:p>
+            <a:pPr marL="742950" lvl="1" indent="-285750">
+              <a:buFont typeface="Wingdings" panose="05000000000000000000" charset="0"/>
+              <a:buChar char=""/>
+            </a:pPr>
+            <a:r>
+              <a:rPr lang="en-US" altLang="zh-CN">
+                <a:sym typeface="+mn-ea"/>
+              </a:rPr>
+              <a:t>1. </a:t>
+            </a:r>
+            <a:r>
+              <a:rPr lang="zh-CN" altLang="en-US">
+                <a:sym typeface="+mn-ea"/>
+              </a:rPr>
+              <a:t>在对抗样本检测和主动学习等任务上评估</a:t>
+            </a:r>
+            <a:r>
+              <a:rPr lang="en-US" altLang="zh-CN">
+                <a:sym typeface="+mn-ea"/>
+              </a:rPr>
+              <a:t>uncertainty</a:t>
+            </a:r>
+            <a:endParaRPr lang="en-US" altLang="zh-CN">
+              <a:sym typeface="+mn-ea"/>
+            </a:endParaRPr>
+          </a:p>
+          <a:p>
+            <a:pPr marL="742950" lvl="1" indent="-285750">
+              <a:buFont typeface="Wingdings" panose="05000000000000000000" charset="0"/>
+              <a:buChar char=""/>
+            </a:pPr>
+            <a:r>
+              <a:rPr lang="en-US" altLang="zh-CN">
+                <a:sym typeface="+mn-ea"/>
+              </a:rPr>
+              <a:t>2. </a:t>
+            </a:r>
+            <a:r>
+              <a:rPr lang="zh-CN" altLang="en-US">
+                <a:sym typeface="+mn-ea"/>
+              </a:rPr>
+              <a:t>添加一个</a:t>
+            </a:r>
+            <a:r>
+              <a:rPr lang="en-US" altLang="zh-CN">
+                <a:sym typeface="+mn-ea"/>
+              </a:rPr>
+              <a:t>head</a:t>
+            </a:r>
+            <a:r>
+              <a:rPr lang="zh-CN" altLang="en-US">
+                <a:sym typeface="+mn-ea"/>
+              </a:rPr>
+              <a:t>直接预测</a:t>
+            </a:r>
+            <a:r>
+              <a:rPr lang="en-US" altLang="zh-CN">
+                <a:sym typeface="+mn-ea"/>
+              </a:rPr>
+              <a:t>uncertainty</a:t>
+            </a:r>
+            <a:endParaRPr lang="en-US" altLang="zh-CN">
+              <a:sym typeface="+mn-ea"/>
+            </a:endParaRPr>
+          </a:p>
+          <a:p>
+            <a:pPr marL="742950" lvl="1" indent="-285750">
+              <a:buFont typeface="Wingdings" panose="05000000000000000000" charset="0"/>
+              <a:buChar char=""/>
+            </a:pPr>
+            <a:r>
+              <a:rPr lang="en-US"/>
+              <a:t>3. </a:t>
+            </a:r>
+            <a:r>
+              <a:rPr lang="zh-CN" altLang="en-US"/>
+              <a:t>在</a:t>
+            </a:r>
+            <a:r>
+              <a:rPr lang="en-US"/>
+              <a:t>LLM</a:t>
+            </a:r>
+            <a:r>
+              <a:rPr lang="zh-CN" altLang="en-US"/>
+              <a:t>上评估扰动的效果</a:t>
+            </a:r>
+            <a:endParaRPr lang="zh-CN" altLang="en-US"/>
+          </a:p>
+        </p:txBody>
+      </p:sp>
+      <p:sp>
+        <p:nvSpPr>
+          <p:cNvPr id="8" name="文本框 7"/>
+          <p:cNvSpPr txBox="1"/>
+          <p:nvPr/>
+        </p:nvSpPr>
+        <p:spPr>
+          <a:xfrm>
+            <a:off x="304800" y="3279140"/>
+            <a:ext cx="1173480" cy="368300"/>
+          </a:xfrm>
+          <a:prstGeom prst="rect">
+            <a:avLst/>
+          </a:prstGeom>
+          <a:noFill/>
+        </p:spPr>
+        <p:txBody>
+          <a:bodyPr wrap="square" rtlCol="0">
+            <a:spAutoFit/>
+          </a:bodyPr>
+          <a:p>
+            <a:r>
+              <a:rPr lang="en-US" altLang="zh-CN"/>
+              <a:t>:</a:t>
+            </a:r>
+            <a:endParaRPr lang="en-US" altLang="zh-CN"/>
+          </a:p>
+        </p:txBody>
+      </p:sp>
+    </p:spTree>
+  </p:cSld>
+  <p:clrMapOvr>
+    <a:masterClrMapping/>
+  </p:clrMapOvr>
+  <mc:AlternateContent xmlns:mc="http://schemas.openxmlformats.org/markup-compatibility/2006" xmlns:p159="http://schemas.microsoft.com/office/powerpoint/2015/09/main">
+    <mc:Choice Requires="p159">
+      <p:transition xmlns:p14="http://schemas.microsoft.com/office/powerpoint/2010/main" spd="med">
+        <p159:morph option="byObject"/>
+      </p:transition>
+    </mc:Choice>
+    <mc:Fallback>
+      <p:transition spd="med">
+        <p:fade/>
+      </p:transition>
+    </mc:Fallback>
+  </mc:AlternateContent>
+</p:sld>
+</file>
+
+<file path=ppt/slides/slide23.xml><?xml version="1.0" encoding="utf-8"?>
 <p:sld xmlns:a="http://schemas.openxmlformats.org/drawingml/2006/main" xmlns:r="http://schemas.openxmlformats.org/officeDocument/2006/relationships" xmlns:p="http://schemas.openxmlformats.org/presentationml/2006/main">
   <p:cSld>
     <p:spTree>
@@ -6332,223 +7979,6 @@
           </a:prstGeom>
         </p:spPr>
       </p:pic>
-    </p:spTree>
-  </p:cSld>
-  <p:clrMapOvr>
-    <a:masterClrMapping/>
-  </p:clrMapOvr>
-  <p:transition/>
-</p:sld>
-</file>
-
-<file path=ppt/slides/slide2.xml><?xml version="1.0" encoding="utf-8"?>
-<p:sld xmlns:a="http://schemas.openxmlformats.org/drawingml/2006/main" xmlns:r="http://schemas.openxmlformats.org/officeDocument/2006/relationships" xmlns:p="http://schemas.openxmlformats.org/presentationml/2006/main">
-  <p:cSld>
-    <p:spTree>
-      <p:nvGrpSpPr>
-        <p:cNvPr id="1" name=""/>
-        <p:cNvGrpSpPr/>
-        <p:nvPr/>
-      </p:nvGrpSpPr>
-      <p:grpSpPr>
-        <a:xfrm>
-          <a:off x="0" y="0"/>
-          <a:ext cx="0" cy="0"/>
-          <a:chOff x="0" y="0"/>
-          <a:chExt cx="0" cy="0"/>
-        </a:xfrm>
-      </p:grpSpPr>
-      <p:sp>
-        <p:nvSpPr>
-          <p:cNvPr id="7" name="标题 6"/>
-          <p:cNvSpPr>
-            <a:spLocks noGrp="1"/>
-          </p:cNvSpPr>
-          <p:nvPr>
-            <p:ph type="title"/>
-          </p:nvPr>
-        </p:nvSpPr>
-        <p:spPr>
-          <a:xfrm>
-            <a:off x="446405" y="345441"/>
-            <a:ext cx="9906000" cy="685793"/>
-          </a:xfrm>
-        </p:spPr>
-        <p:txBody>
-          <a:bodyPr/>
-          <a:lstStyle/>
-          <a:p>
-            <a:pPr algn="l" eaLnBrk="0" hangingPunct="0">
-              <a:buClrTx/>
-              <a:buSzTx/>
-              <a:buFontTx/>
-              <a:defRPr/>
-            </a:pPr>
-            <a:r>
-              <a:rPr lang="zh-CN" altLang="en-US" sz="2800" b="1" dirty="0">
-                <a:solidFill>
-                  <a:schemeClr val="tx1"/>
-                </a:solidFill>
-                <a:latin typeface="微软雅黑" charset="-122"/>
-                <a:ea typeface="微软雅黑" charset="-122"/>
-                <a:cs typeface="微软雅黑" charset="-122"/>
-              </a:rPr>
-              <a:t>大纲</a:t>
-            </a:r>
-            <a:endParaRPr lang="zh-CN" altLang="en-US" sz="2800" b="1" dirty="0">
-              <a:solidFill>
-                <a:schemeClr val="tx1"/>
-              </a:solidFill>
-              <a:latin typeface="微软雅黑" charset="-122"/>
-              <a:ea typeface="微软雅黑" charset="-122"/>
-              <a:cs typeface="微软雅黑" charset="-122"/>
-            </a:endParaRPr>
-          </a:p>
-        </p:txBody>
-      </p:sp>
-      <p:sp>
-        <p:nvSpPr>
-          <p:cNvPr id="2" name="矩形 1"/>
-          <p:cNvSpPr/>
-          <p:nvPr/>
-        </p:nvSpPr>
-        <p:spPr>
-          <a:xfrm>
-            <a:off x="446405" y="1659890"/>
-            <a:ext cx="8415020" cy="2245360"/>
-          </a:xfrm>
-          <a:prstGeom prst="rect">
-            <a:avLst/>
-          </a:prstGeom>
-        </p:spPr>
-        <p:txBody>
-          <a:bodyPr wrap="square">
-            <a:spAutoFit/>
-          </a:bodyPr>
-          <a:lstStyle/>
-          <a:p>
-            <a:pPr marL="285750" indent="-285750" algn="l">
-              <a:buFont typeface="Wingdings" panose="05000000000000000000" charset="0"/>
-              <a:buChar char=""/>
-            </a:pPr>
-            <a:r>
-              <a:rPr lang="en-US" altLang="zh-CN" sz="2000" dirty="0">
-                <a:sym typeface="+mn-ea"/>
-              </a:rPr>
-              <a:t>Introduction</a:t>
-            </a:r>
-            <a:endParaRPr lang="en-US" altLang="zh-CN" sz="2000" dirty="0">
-              <a:sym typeface="+mn-ea"/>
-            </a:endParaRPr>
-          </a:p>
-          <a:p>
-            <a:pPr marL="285750" indent="-285750" algn="l">
-              <a:buFont typeface="Wingdings" panose="05000000000000000000" charset="0"/>
-              <a:buChar char=""/>
-            </a:pPr>
-            <a:endParaRPr lang="zh-CN" altLang="en-US" sz="2000" dirty="0">
-              <a:sym typeface="+mn-ea"/>
-            </a:endParaRPr>
-          </a:p>
-          <a:p>
-            <a:pPr marL="285750" indent="-285750" algn="l">
-              <a:buFont typeface="Wingdings" panose="05000000000000000000" charset="0"/>
-              <a:buChar char=""/>
-            </a:pPr>
-            <a:r>
-              <a:rPr lang="en-US" altLang="zh-CN" sz="2000" dirty="0"/>
-              <a:t>Background</a:t>
-            </a:r>
-            <a:endParaRPr lang="en-US" altLang="zh-CN" sz="2000" dirty="0"/>
-          </a:p>
-          <a:p>
-            <a:pPr marL="285750" indent="-285750" algn="l">
-              <a:buFont typeface="Wingdings" panose="05000000000000000000" charset="0"/>
-              <a:buChar char=""/>
-            </a:pPr>
-            <a:endParaRPr lang="en-US" altLang="zh-CN" sz="2000" b="1" dirty="0">
-              <a:latin typeface="微软雅黑" charset="-122"/>
-              <a:ea typeface="微软雅黑" charset="-122"/>
-              <a:cs typeface="微软雅黑" charset="-122"/>
-              <a:sym typeface="+mn-ea"/>
-            </a:endParaRPr>
-          </a:p>
-          <a:p>
-            <a:pPr marL="285750" indent="-285750" algn="l">
-              <a:buFont typeface="Wingdings" panose="05000000000000000000" charset="0"/>
-              <a:buChar char=""/>
-            </a:pPr>
-            <a:r>
-              <a:rPr lang="en-US" altLang="zh-CN" sz="2000" dirty="0">
-                <a:solidFill>
-                  <a:schemeClr val="tx1"/>
-                </a:solidFill>
-                <a:latin typeface="微软雅黑" charset="-122"/>
-                <a:ea typeface="微软雅黑" charset="-122"/>
-                <a:cs typeface="微软雅黑" charset="-122"/>
-                <a:sym typeface="+mn-ea"/>
-              </a:rPr>
-              <a:t>Method</a:t>
-            </a:r>
-            <a:endParaRPr lang="zh-CN" altLang="en-US" sz="2000" dirty="0">
-              <a:solidFill>
-                <a:schemeClr val="tx1"/>
-              </a:solidFill>
-              <a:latin typeface="微软雅黑" charset="-122"/>
-              <a:ea typeface="微软雅黑" charset="-122"/>
-              <a:cs typeface="微软雅黑" charset="-122"/>
-              <a:sym typeface="+mn-ea"/>
-            </a:endParaRPr>
-          </a:p>
-          <a:p>
-            <a:pPr marL="285750" indent="-285750" algn="l">
-              <a:buFont typeface="Wingdings" panose="05000000000000000000" charset="0"/>
-              <a:buChar char=""/>
-            </a:pPr>
-            <a:endParaRPr lang="zh-CN" altLang="en-US" sz="2000" dirty="0">
-              <a:latin typeface="微软雅黑" charset="-122"/>
-              <a:ea typeface="微软雅黑" charset="-122"/>
-              <a:cs typeface="微软雅黑" charset="-122"/>
-              <a:sym typeface="+mn-ea"/>
-            </a:endParaRPr>
-          </a:p>
-          <a:p>
-            <a:pPr marL="285750" indent="-285750" algn="l">
-              <a:buFont typeface="Wingdings" panose="05000000000000000000" charset="0"/>
-              <a:buChar char=""/>
-            </a:pPr>
-            <a:r>
-              <a:rPr lang="en-US" altLang="zh-CN" sz="2000" dirty="0"/>
-              <a:t>Experiments</a:t>
-            </a:r>
-            <a:endParaRPr lang="en-US" altLang="zh-CN" sz="2000" dirty="0"/>
-          </a:p>
-        </p:txBody>
-      </p:sp>
-      <p:sp>
-        <p:nvSpPr>
-          <p:cNvPr id="15" name="椭圆 14"/>
-          <p:cNvSpPr/>
-          <p:nvPr/>
-        </p:nvSpPr>
-        <p:spPr>
-          <a:xfrm>
-            <a:off x="7497445" y="2990850"/>
-            <a:ext cx="914400" cy="914400"/>
-          </a:xfrm>
-          <a:prstGeom prst="ellipse">
-            <a:avLst/>
-          </a:prstGeom>
-        </p:spPr>
-        <p:txBody>
-          <a:bodyPr wrap="none">
-            <a:spAutoFit/>
-          </a:bodyPr>
-          <a:p>
-            <a:endParaRPr lang="zh-CN" altLang="en-US" sz="2400" dirty="0"/>
-          </a:p>
-        </p:txBody>
-      </p:sp>
     </p:spTree>
   </p:cSld>
   <p:clrMapOvr>
